--- a/중간발표 자료/스카이폴-중간발표.pptx
+++ b/중간발표 자료/스카이폴-중간발표.pptx
@@ -3761,44 +3761,6 @@
             <a:r>
               <a:rPr lang="ko-KR" altLang="en-US" dirty="0"/>
               <a:t> 제작에 시간이 오래 걸림</a:t>
-            </a:r>
-            <a:endParaRPr lang="en-US" altLang="ko-KR" dirty="0"/>
-          </a:p>
-          <a:p>
-            <a:pPr>
-              <a:buFont typeface="Wingdings" panose="05000000000000000000" pitchFamily="2" charset="2"/>
-              <a:buChar char="Ø"/>
-            </a:pPr>
-            <a:endParaRPr lang="en-US" altLang="ko-KR" dirty="0"/>
-          </a:p>
-          <a:p>
-            <a:pPr>
-              <a:buFont typeface="Wingdings" panose="05000000000000000000" pitchFamily="2" charset="2"/>
-              <a:buChar char="Ø"/>
-            </a:pPr>
-            <a:r>
-              <a:rPr lang="ko-KR" altLang="en-US" dirty="0" err="1"/>
-              <a:t>맵을</a:t>
-            </a:r>
-            <a:r>
-              <a:rPr lang="ko-KR" altLang="en-US" dirty="0"/>
-              <a:t> </a:t>
-            </a:r>
-            <a:r>
-              <a:rPr lang="en-US" altLang="ko-KR" dirty="0"/>
-              <a:t>FBX</a:t>
-            </a:r>
-            <a:r>
-              <a:rPr lang="ko-KR" altLang="en-US" dirty="0"/>
-              <a:t>로 제작해서 </a:t>
-            </a:r>
-            <a:r>
-              <a:rPr lang="ko-KR" altLang="en-US" dirty="0" err="1"/>
-              <a:t>로드하려다가</a:t>
-            </a:r>
-            <a:r>
-              <a:rPr lang="ko-KR" altLang="en-US" dirty="0"/>
-              <a:t> 시간이 오래 걸림</a:t>
             </a:r>
             <a:endParaRPr lang="en-US" altLang="ko-KR" dirty="0"/>
           </a:p>
